--- a/Proekt_po_WebServer_3DPrintingService_RussiaPenza.pptx
+++ b/Proekt_po_WebServer_3DPrintingService_RussiaPenza.pptx
@@ -5,29 +5,28 @@
     <p:sldMasterId id="2147483659" r:id="rId1"/>
   </p:sldMasterIdLst>
   <p:notesMasterIdLst>
-    <p:notesMasterId r:id="rId10"/>
+    <p:notesMasterId r:id="rId9"/>
   </p:notesMasterIdLst>
   <p:sldIdLst>
     <p:sldId id="256" r:id="rId2"/>
     <p:sldId id="257" r:id="rId3"/>
     <p:sldId id="258" r:id="rId4"/>
     <p:sldId id="259" r:id="rId5"/>
-    <p:sldId id="260" r:id="rId6"/>
-    <p:sldId id="263" r:id="rId7"/>
-    <p:sldId id="261" r:id="rId8"/>
-    <p:sldId id="262" r:id="rId9"/>
+    <p:sldId id="263" r:id="rId6"/>
+    <p:sldId id="261" r:id="rId7"/>
+    <p:sldId id="262" r:id="rId8"/>
   </p:sldIdLst>
   <p:sldSz cx="9144000" cy="5143500" type="screen16x9"/>
   <p:notesSz cx="6858000" cy="9144000"/>
   <p:embeddedFontLst>
     <p:embeddedFont>
       <p:font typeface="Average" panose="020B0604020202020204" charset="0"/>
-      <p:regular r:id="rId11"/>
+      <p:regular r:id="rId10"/>
     </p:embeddedFont>
     <p:embeddedFont>
       <p:font typeface="Oswald" panose="020B0604020202020204" charset="-52"/>
-      <p:regular r:id="rId12"/>
-      <p:bold r:id="rId13"/>
+      <p:regular r:id="rId11"/>
+      <p:bold r:id="rId12"/>
     </p:embeddedFont>
   </p:embeddedFontLst>
   <p:defaultTextStyle>
@@ -261,7 +260,7 @@
   </p:defaultTextStyle>
   <p:extLst>
     <p:ext uri="{EFAFB233-063F-42B5-8137-9DF3F51BA10A}">
-      <p15:sldGuideLst xmlns:p15="http://schemas.microsoft.com/office/powerpoint/2012/main" xmlns:p14="http://schemas.microsoft.com/office/powerpoint/2010/main" xmlns:com="http://schemas.openxmlformats.org/drawingml/2006/compatibility" xmlns:pvml="urn:schemas-microsoft-com:office:powerpoint" xmlns:v="urn:schemas-microsoft-com:vml" xmlns:o="urn:schemas-microsoft-com:office:office" xmlns:dgm="http://schemas.openxmlformats.org/drawingml/2006/diagram" xmlns:c="http://schemas.openxmlformats.org/drawingml/2006/chart" xmlns:mv="urn:schemas-microsoft-com:mac:vml" xmlns:mc="http://schemas.openxmlformats.org/markup-compatibility/2006" xmlns="">
+      <p15:sldGuideLst xmlns="" xmlns:mc="http://schemas.openxmlformats.org/markup-compatibility/2006" xmlns:mv="urn:schemas-microsoft-com:mac:vml" xmlns:c="http://schemas.openxmlformats.org/drawingml/2006/chart" xmlns:dgm="http://schemas.openxmlformats.org/drawingml/2006/diagram" xmlns:o="urn:schemas-microsoft-com:office:office" xmlns:v="urn:schemas-microsoft-com:vml" xmlns:pvml="urn:schemas-microsoft-com:office:powerpoint" xmlns:com="http://schemas.openxmlformats.org/drawingml/2006/compatibility" xmlns:p14="http://schemas.microsoft.com/office/powerpoint/2010/main" xmlns:p15="http://schemas.microsoft.com/office/powerpoint/2012/main">
         <p15:guide id="1" orient="horz" pos="1620">
           <p15:clr>
             <a:srgbClr val="A4A3A4"/>
@@ -1143,110 +1142,6 @@
   <p:cSld>
     <p:spTree>
       <p:nvGrpSpPr>
-        <p:cNvPr id="1" name="Shape 79"/>
-        <p:cNvGrpSpPr/>
-        <p:nvPr/>
-      </p:nvGrpSpPr>
-      <p:grpSpPr>
-        <a:xfrm>
-          <a:off x="0" y="0"/>
-          <a:ext cx="0" cy="0"/>
-          <a:chOff x="0" y="0"/>
-          <a:chExt cx="0" cy="0"/>
-        </a:xfrm>
-      </p:grpSpPr>
-      <p:sp>
-        <p:nvSpPr>
-          <p:cNvPr id="80" name="Google Shape;80;g549c0daa9a_0_6:notes"/>
-          <p:cNvSpPr>
-            <a:spLocks noGrp="1" noRot="1" noChangeAspect="1"/>
-          </p:cNvSpPr>
-          <p:nvPr>
-            <p:ph type="sldImg" idx="2"/>
-          </p:nvPr>
-        </p:nvSpPr>
-        <p:spPr>
-          <a:xfrm>
-            <a:off x="381000" y="685800"/>
-            <a:ext cx="6096000" cy="3429000"/>
-          </a:xfrm>
-          <a:custGeom>
-            <a:avLst/>
-            <a:gdLst/>
-            <a:ahLst/>
-            <a:cxnLst/>
-            <a:rect l="l" t="t" r="r" b="b"/>
-            <a:pathLst>
-              <a:path w="120000" h="120000" extrusionOk="0">
-                <a:moveTo>
-                  <a:pt x="0" y="0"/>
-                </a:moveTo>
-                <a:lnTo>
-                  <a:pt x="120000" y="0"/>
-                </a:lnTo>
-                <a:lnTo>
-                  <a:pt x="120000" y="120000"/>
-                </a:lnTo>
-                <a:lnTo>
-                  <a:pt x="0" y="120000"/>
-                </a:lnTo>
-                <a:close/>
-              </a:path>
-            </a:pathLst>
-          </a:custGeom>
-        </p:spPr>
-      </p:sp>
-      <p:sp>
-        <p:nvSpPr>
-          <p:cNvPr id="81" name="Google Shape;81;g549c0daa9a_0_6:notes"/>
-          <p:cNvSpPr txBox="1">
-            <a:spLocks noGrp="1"/>
-          </p:cNvSpPr>
-          <p:nvPr>
-            <p:ph type="body" idx="1"/>
-          </p:nvPr>
-        </p:nvSpPr>
-        <p:spPr>
-          <a:xfrm>
-            <a:off x="685800" y="4343400"/>
-            <a:ext cx="5486400" cy="4114800"/>
-          </a:xfrm>
-          <a:prstGeom prst="rect">
-            <a:avLst/>
-          </a:prstGeom>
-        </p:spPr>
-        <p:txBody>
-          <a:bodyPr spcFirstLastPara="1" wrap="square" lIns="91425" tIns="91425" rIns="91425" bIns="91425" anchor="t" anchorCtr="0">
-            <a:noAutofit/>
-          </a:bodyPr>
-          <a:lstStyle/>
-          <a:p>
-            <a:pPr marL="0" lvl="0" indent="0" algn="l" rtl="0">
-              <a:spcBef>
-                <a:spcPts val="0"/>
-              </a:spcBef>
-              <a:spcAft>
-                <a:spcPts val="0"/>
-              </a:spcAft>
-              <a:buNone/>
-            </a:pPr>
-            <a:endParaRPr/>
-          </a:p>
-        </p:txBody>
-      </p:sp>
-    </p:spTree>
-  </p:cSld>
-  <p:clrMapOvr>
-    <a:masterClrMapping/>
-  </p:clrMapOvr>
-</p:notes>
-</file>
-
-<file path=ppt/notesSlides/notesSlide6.xml><?xml version="1.0" encoding="utf-8"?>
-<p:notes xmlns:a="http://schemas.openxmlformats.org/drawingml/2006/main" xmlns:r="http://schemas.openxmlformats.org/officeDocument/2006/relationships" xmlns:p="http://schemas.openxmlformats.org/presentationml/2006/main" showMasterSp="0" showMasterPhAnim="0">
-  <p:cSld>
-    <p:spTree>
-      <p:nvGrpSpPr>
         <p:cNvPr id="1" name="Shape 85"/>
         <p:cNvGrpSpPr/>
         <p:nvPr/>
@@ -1346,7 +1241,7 @@
 </p:notes>
 </file>
 
-<file path=ppt/notesSlides/notesSlide7.xml><?xml version="1.0" encoding="utf-8"?>
+<file path=ppt/notesSlides/notesSlide6.xml><?xml version="1.0" encoding="utf-8"?>
 <p:notes xmlns:a="http://schemas.openxmlformats.org/drawingml/2006/main" xmlns:r="http://schemas.openxmlformats.org/officeDocument/2006/relationships" xmlns:p="http://schemas.openxmlformats.org/presentationml/2006/main" showMasterSp="0" showMasterPhAnim="0">
   <p:cSld>
     <p:spTree>
@@ -6871,6 +6766,13 @@
   <p:clrMapOvr>
     <a:masterClrMapping/>
   </p:clrMapOvr>
+  <p:timing>
+    <p:tnLst>
+      <p:par>
+        <p:cTn id="1" dur="indefinite" restart="never" nodeType="tmRoot"/>
+      </p:par>
+    </p:tnLst>
+  </p:timing>
 </p:sld>
 </file>
 
@@ -6992,6 +6894,13 @@
   <p:clrMapOvr>
     <a:masterClrMapping/>
   </p:clrMapOvr>
+  <p:timing>
+    <p:tnLst>
+      <p:par>
+        <p:cTn id="1" dur="indefinite" restart="never" nodeType="tmRoot"/>
+      </p:par>
+    </p:tnLst>
+  </p:timing>
 </p:sld>
 </file>
 
@@ -7086,7 +6995,7 @@
             </a:r>
             <a:r>
               <a:rPr lang="ru" dirty="0" smtClean="0"/>
-              <a:t>функции;</a:t>
+              <a:t>функции сайта;</a:t>
             </a:r>
             <a:endParaRPr dirty="0"/>
           </a:p>
@@ -7114,12 +7023,17 @@
             </a:pPr>
             <a:r>
               <a:rPr lang="ru" dirty="0"/>
-              <a:t>Реализовать основные классы и </a:t>
+              <a:t>Реализовать </a:t>
             </a:r>
             <a:r>
               <a:rPr lang="ru" dirty="0" smtClean="0"/>
-              <a:t>функции;</a:t>
+              <a:t>сайт</a:t>
             </a:r>
+            <a:r>
+              <a:rPr lang="ru" dirty="0" smtClean="0"/>
+              <a:t>;</a:t>
+            </a:r>
+            <a:endParaRPr lang="ru" dirty="0" smtClean="0"/>
           </a:p>
           <a:p>
             <a:pPr marL="285750" indent="-285750">
@@ -7195,6 +7109,13 @@
   <p:clrMapOvr>
     <a:masterClrMapping/>
   </p:clrMapOvr>
+  <p:timing>
+    <p:tnLst>
+      <p:par>
+        <p:cTn id="1" dur="indefinite" restart="never" nodeType="tmRoot"/>
+      </p:par>
+    </p:tnLst>
+  </p:timing>
 </p:sld>
 </file>
 
@@ -7304,227 +7225,17 @@
   <p:clrMapOvr>
     <a:masterClrMapping/>
   </p:clrMapOvr>
+  <p:timing>
+    <p:tnLst>
+      <p:par>
+        <p:cTn id="1" dur="indefinite" restart="never" nodeType="tmRoot"/>
+      </p:par>
+    </p:tnLst>
+  </p:timing>
 </p:sld>
 </file>
 
 <file path=ppt/slides/slide5.xml><?xml version="1.0" encoding="utf-8"?>
-<p:sld xmlns:a="http://schemas.openxmlformats.org/drawingml/2006/main" xmlns:r="http://schemas.openxmlformats.org/officeDocument/2006/relationships" xmlns:p="http://schemas.openxmlformats.org/presentationml/2006/main">
-  <p:cSld>
-    <p:spTree>
-      <p:nvGrpSpPr>
-        <p:cNvPr id="1" name="Shape 82"/>
-        <p:cNvGrpSpPr/>
-        <p:nvPr/>
-      </p:nvGrpSpPr>
-      <p:grpSpPr>
-        <a:xfrm>
-          <a:off x="0" y="0"/>
-          <a:ext cx="0" cy="0"/>
-          <a:chOff x="0" y="0"/>
-          <a:chExt cx="0" cy="0"/>
-        </a:xfrm>
-      </p:grpSpPr>
-      <p:sp>
-        <p:nvSpPr>
-          <p:cNvPr id="83" name="Google Shape;83;p17"/>
-          <p:cNvSpPr txBox="1">
-            <a:spLocks noGrp="1"/>
-          </p:cNvSpPr>
-          <p:nvPr>
-            <p:ph type="title"/>
-          </p:nvPr>
-        </p:nvSpPr>
-        <p:spPr>
-          <a:xfrm>
-            <a:off x="311700" y="445025"/>
-            <a:ext cx="8520600" cy="572700"/>
-          </a:xfrm>
-          <a:prstGeom prst="rect">
-            <a:avLst/>
-          </a:prstGeom>
-        </p:spPr>
-        <p:txBody>
-          <a:bodyPr spcFirstLastPara="1" wrap="square" lIns="91425" tIns="91425" rIns="91425" bIns="91425" anchor="t" anchorCtr="0">
-            <a:noAutofit/>
-          </a:bodyPr>
-          <a:lstStyle/>
-          <a:p>
-            <a:pPr marL="0" lvl="0" indent="0" algn="l" rtl="0">
-              <a:spcBef>
-                <a:spcPts val="0"/>
-              </a:spcBef>
-              <a:spcAft>
-                <a:spcPts val="0"/>
-              </a:spcAft>
-              <a:buNone/>
-            </a:pPr>
-            <a:r>
-              <a:rPr lang="ru"/>
-              <a:t>Использованные технологии</a:t>
-            </a:r>
-            <a:endParaRPr/>
-          </a:p>
-        </p:txBody>
-      </p:sp>
-      <p:sp>
-        <p:nvSpPr>
-          <p:cNvPr id="84" name="Google Shape;84;p17"/>
-          <p:cNvSpPr txBox="1">
-            <a:spLocks noGrp="1"/>
-          </p:cNvSpPr>
-          <p:nvPr>
-            <p:ph type="body" idx="1"/>
-          </p:nvPr>
-        </p:nvSpPr>
-        <p:spPr>
-          <a:xfrm>
-            <a:off x="311700" y="1152475"/>
-            <a:ext cx="8520600" cy="3416400"/>
-          </a:xfrm>
-          <a:prstGeom prst="rect">
-            <a:avLst/>
-          </a:prstGeom>
-        </p:spPr>
-        <p:txBody>
-          <a:bodyPr spcFirstLastPara="1" wrap="square" lIns="91425" tIns="91425" rIns="91425" bIns="91425" anchor="t" anchorCtr="0">
-            <a:noAutofit/>
-          </a:bodyPr>
-          <a:lstStyle/>
-          <a:p>
-            <a:pPr marL="0" lvl="0" indent="0" algn="l" rtl="0">
-              <a:spcBef>
-                <a:spcPts val="0"/>
-              </a:spcBef>
-              <a:spcAft>
-                <a:spcPts val="0"/>
-              </a:spcAft>
-              <a:buNone/>
-            </a:pPr>
-            <a:r>
-              <a:rPr lang="ru"/>
-              <a:t>Объектно Ориентированное программирование</a:t>
-            </a:r>
-            <a:endParaRPr/>
-          </a:p>
-          <a:p>
-            <a:pPr marL="0" lvl="0" indent="0" algn="l" rtl="0">
-              <a:spcBef>
-                <a:spcPts val="1600"/>
-              </a:spcBef>
-              <a:spcAft>
-                <a:spcPts val="0"/>
-              </a:spcAft>
-              <a:buNone/>
-            </a:pPr>
-            <a:r>
-              <a:rPr lang="ru"/>
-              <a:t>Функциональное программирование </a:t>
-            </a:r>
-            <a:endParaRPr/>
-          </a:p>
-          <a:p>
-            <a:pPr marL="0" lvl="0" indent="0" algn="l" rtl="0">
-              <a:spcBef>
-                <a:spcPts val="1600"/>
-              </a:spcBef>
-              <a:spcAft>
-                <a:spcPts val="0"/>
-              </a:spcAft>
-              <a:buNone/>
-            </a:pPr>
-            <a:r>
-              <a:rPr lang="ru"/>
-              <a:t>HTML</a:t>
-            </a:r>
-            <a:endParaRPr/>
-          </a:p>
-          <a:p>
-            <a:pPr marL="0" lvl="0" indent="0" algn="l" rtl="0">
-              <a:spcBef>
-                <a:spcPts val="1600"/>
-              </a:spcBef>
-              <a:spcAft>
-                <a:spcPts val="0"/>
-              </a:spcAft>
-              <a:buNone/>
-            </a:pPr>
-            <a:r>
-              <a:rPr lang="ru"/>
-              <a:t>CSS</a:t>
-            </a:r>
-            <a:endParaRPr/>
-          </a:p>
-          <a:p>
-            <a:pPr marL="0" lvl="0" indent="0" algn="l" rtl="0">
-              <a:spcBef>
-                <a:spcPts val="1600"/>
-              </a:spcBef>
-              <a:spcAft>
-                <a:spcPts val="0"/>
-              </a:spcAft>
-              <a:buNone/>
-            </a:pPr>
-            <a:r>
-              <a:rPr lang="ru"/>
-              <a:t>JavaScript</a:t>
-            </a:r>
-            <a:endParaRPr/>
-          </a:p>
-          <a:p>
-            <a:pPr marL="0" lvl="0" indent="0" algn="l" rtl="0">
-              <a:spcBef>
-                <a:spcPts val="1600"/>
-              </a:spcBef>
-              <a:spcAft>
-                <a:spcPts val="0"/>
-              </a:spcAft>
-              <a:buNone/>
-            </a:pPr>
-            <a:r>
-              <a:rPr lang="ru"/>
-              <a:t>СУБД</a:t>
-            </a:r>
-            <a:endParaRPr/>
-          </a:p>
-          <a:p>
-            <a:pPr marL="0" lvl="0" indent="0" algn="l" rtl="0">
-              <a:spcBef>
-                <a:spcPts val="1600"/>
-              </a:spcBef>
-              <a:spcAft>
-                <a:spcPts val="0"/>
-              </a:spcAft>
-              <a:buNone/>
-            </a:pPr>
-            <a:r>
-              <a:rPr lang="ru"/>
-              <a:t>JSON</a:t>
-            </a:r>
-            <a:endParaRPr/>
-          </a:p>
-          <a:p>
-            <a:pPr marL="0" lvl="0" indent="0" algn="l" rtl="0">
-              <a:spcBef>
-                <a:spcPts val="1600"/>
-              </a:spcBef>
-              <a:spcAft>
-                <a:spcPts val="1600"/>
-              </a:spcAft>
-              <a:buNone/>
-            </a:pPr>
-            <a:endParaRPr/>
-          </a:p>
-        </p:txBody>
-      </p:sp>
-    </p:spTree>
-  </p:cSld>
-  <p:clrMapOvr>
-    <a:masterClrMapping/>
-  </p:clrMapOvr>
-</p:sld>
-</file>
-
-<file path=ppt/slides/slide6.xml><?xml version="1.0" encoding="utf-8"?>
 <p:sld xmlns:a="http://schemas.openxmlformats.org/drawingml/2006/main" xmlns:r="http://schemas.openxmlformats.org/officeDocument/2006/relationships" xmlns:p="http://schemas.openxmlformats.org/presentationml/2006/main">
   <p:cSld>
     <p:spTree>
@@ -7655,10 +7366,17 @@
   <p:clrMapOvr>
     <a:masterClrMapping/>
   </p:clrMapOvr>
+  <p:timing>
+    <p:tnLst>
+      <p:par>
+        <p:cTn id="1" dur="indefinite" restart="never" nodeType="tmRoot"/>
+      </p:par>
+    </p:tnLst>
+  </p:timing>
 </p:sld>
 </file>
 
-<file path=ppt/slides/slide7.xml><?xml version="1.0" encoding="utf-8"?>
+<file path=ppt/slides/slide6.xml><?xml version="1.0" encoding="utf-8"?>
 <p:sld xmlns:a="http://schemas.openxmlformats.org/drawingml/2006/main" xmlns:r="http://schemas.openxmlformats.org/officeDocument/2006/relationships" xmlns:p="http://schemas.openxmlformats.org/presentationml/2006/main">
   <p:cSld>
     <p:spTree>
@@ -7767,7 +7485,7 @@
 </p:sld>
 </file>
 
-<file path=ppt/slides/slide8.xml><?xml version="1.0" encoding="utf-8"?>
+<file path=ppt/slides/slide7.xml><?xml version="1.0" encoding="utf-8"?>
 <p:sld xmlns:a="http://schemas.openxmlformats.org/drawingml/2006/main" xmlns:r="http://schemas.openxmlformats.org/officeDocument/2006/relationships" xmlns:p="http://schemas.openxmlformats.org/presentationml/2006/main">
   <p:cSld>
     <p:spTree>
